--- a/figures/Chapter 4 - Introduction to Graph Theory/4.6 Minimum Spanning Trees - Prim's and Kruskal's Algorithms.pptx
+++ b/figures/Chapter 4 - Introduction to Graph Theory/4.6 Minimum Spanning Trees - Prim's and Kruskal's Algorithms.pptx
@@ -112,6 +112,22 @@
       </a:defRPr>
     </a:lvl9pPr>
   </p:defaultTextStyle>
+  <p:extLst>
+    <p:ext uri="{EFAFB233-063F-42B5-8137-9DF3F51BA10A}">
+      <p15:sldGuideLst xmlns:p15="http://schemas.microsoft.com/office/powerpoint/2012/main">
+        <p15:guide id="1" orient="horz" pos="2160">
+          <p15:clr>
+            <a:srgbClr val="A4A3A4"/>
+          </p15:clr>
+        </p15:guide>
+        <p15:guide id="2" pos="2880">
+          <p15:clr>
+            <a:srgbClr val="A4A3A4"/>
+          </p15:clr>
+        </p15:guide>
+      </p15:sldGuideLst>
+    </p:ext>
+  </p:extLst>
 </p:presentation>
 </file>
 
@@ -153,10 +169,9 @@
           <a:lstStyle/>
           <a:p>
             <a:r>
-              <a:rPr lang="en-US" smtClean="0"/>
+              <a:rPr lang="en-US"/>
               <a:t>Click to edit Master title style</a:t>
             </a:r>
-            <a:endParaRPr lang="en-US"/>
           </a:p>
         </p:txBody>
       </p:sp>
@@ -272,10 +287,9 @@
           </a:lstStyle>
           <a:p>
             <a:r>
-              <a:rPr lang="en-US" smtClean="0"/>
+              <a:rPr lang="en-US"/>
               <a:t>Click to edit Master subtitle style</a:t>
             </a:r>
-            <a:endParaRPr lang="en-US"/>
           </a:p>
         </p:txBody>
       </p:sp>
@@ -296,7 +310,7 @@
           <a:p>
             <a:fld id="{B2C77EA4-5A45-2B4C-AEBA-0A02CA6D9FC9}" type="datetimeFigureOut">
               <a:rPr lang="en-US" smtClean="0"/>
-              <a:t>8/3/16</a:t>
+              <a:t>5/8/18</a:t>
             </a:fld>
             <a:endParaRPr lang="en-US"/>
           </a:p>
@@ -390,10 +404,9 @@
           <a:lstStyle/>
           <a:p>
             <a:r>
-              <a:rPr lang="en-US" smtClean="0"/>
+              <a:rPr lang="en-US"/>
               <a:t>Click to edit Master title style</a:t>
             </a:r>
-            <a:endParaRPr lang="en-US"/>
           </a:p>
         </p:txBody>
       </p:sp>
@@ -414,38 +427,37 @@
           <a:p>
             <a:pPr lvl="0"/>
             <a:r>
-              <a:rPr lang="en-US" smtClean="0"/>
+              <a:rPr lang="en-US"/>
               <a:t>Click to edit Master text styles</a:t>
             </a:r>
           </a:p>
           <a:p>
             <a:pPr lvl="1"/>
             <a:r>
-              <a:rPr lang="en-US" smtClean="0"/>
+              <a:rPr lang="en-US"/>
               <a:t>Second level</a:t>
             </a:r>
           </a:p>
           <a:p>
             <a:pPr lvl="2"/>
             <a:r>
-              <a:rPr lang="en-US" smtClean="0"/>
+              <a:rPr lang="en-US"/>
               <a:t>Third level</a:t>
             </a:r>
           </a:p>
           <a:p>
             <a:pPr lvl="3"/>
             <a:r>
-              <a:rPr lang="en-US" smtClean="0"/>
+              <a:rPr lang="en-US"/>
               <a:t>Fourth level</a:t>
             </a:r>
           </a:p>
           <a:p>
             <a:pPr lvl="4"/>
             <a:r>
-              <a:rPr lang="en-US" smtClean="0"/>
+              <a:rPr lang="en-US"/>
               <a:t>Fifth level</a:t>
             </a:r>
-            <a:endParaRPr lang="en-US"/>
           </a:p>
         </p:txBody>
       </p:sp>
@@ -466,7 +478,7 @@
           <a:p>
             <a:fld id="{B2C77EA4-5A45-2B4C-AEBA-0A02CA6D9FC9}" type="datetimeFigureOut">
               <a:rPr lang="en-US" smtClean="0"/>
-              <a:t>8/3/16</a:t>
+              <a:t>5/8/18</a:t>
             </a:fld>
             <a:endParaRPr lang="en-US"/>
           </a:p>
@@ -565,10 +577,9 @@
           <a:lstStyle/>
           <a:p>
             <a:r>
-              <a:rPr lang="en-US" smtClean="0"/>
+              <a:rPr lang="en-US"/>
               <a:t>Click to edit Master title style</a:t>
             </a:r>
-            <a:endParaRPr lang="en-US"/>
           </a:p>
         </p:txBody>
       </p:sp>
@@ -594,38 +605,37 @@
           <a:p>
             <a:pPr lvl="0"/>
             <a:r>
-              <a:rPr lang="en-US" smtClean="0"/>
+              <a:rPr lang="en-US"/>
               <a:t>Click to edit Master text styles</a:t>
             </a:r>
           </a:p>
           <a:p>
             <a:pPr lvl="1"/>
             <a:r>
-              <a:rPr lang="en-US" smtClean="0"/>
+              <a:rPr lang="en-US"/>
               <a:t>Second level</a:t>
             </a:r>
           </a:p>
           <a:p>
             <a:pPr lvl="2"/>
             <a:r>
-              <a:rPr lang="en-US" smtClean="0"/>
+              <a:rPr lang="en-US"/>
               <a:t>Third level</a:t>
             </a:r>
           </a:p>
           <a:p>
             <a:pPr lvl="3"/>
             <a:r>
-              <a:rPr lang="en-US" smtClean="0"/>
+              <a:rPr lang="en-US"/>
               <a:t>Fourth level</a:t>
             </a:r>
           </a:p>
           <a:p>
             <a:pPr lvl="4"/>
             <a:r>
-              <a:rPr lang="en-US" smtClean="0"/>
+              <a:rPr lang="en-US"/>
               <a:t>Fifth level</a:t>
             </a:r>
-            <a:endParaRPr lang="en-US"/>
           </a:p>
         </p:txBody>
       </p:sp>
@@ -646,7 +656,7 @@
           <a:p>
             <a:fld id="{B2C77EA4-5A45-2B4C-AEBA-0A02CA6D9FC9}" type="datetimeFigureOut">
               <a:rPr lang="en-US" smtClean="0"/>
-              <a:t>8/3/16</a:t>
+              <a:t>5/8/18</a:t>
             </a:fld>
             <a:endParaRPr lang="en-US"/>
           </a:p>
@@ -740,10 +750,9 @@
           <a:lstStyle/>
           <a:p>
             <a:r>
-              <a:rPr lang="en-US" smtClean="0"/>
+              <a:rPr lang="en-US"/>
               <a:t>Click to edit Master title style</a:t>
             </a:r>
-            <a:endParaRPr lang="en-US"/>
           </a:p>
         </p:txBody>
       </p:sp>
@@ -764,38 +773,37 @@
           <a:p>
             <a:pPr lvl="0"/>
             <a:r>
-              <a:rPr lang="en-US" smtClean="0"/>
+              <a:rPr lang="en-US"/>
               <a:t>Click to edit Master text styles</a:t>
             </a:r>
           </a:p>
           <a:p>
             <a:pPr lvl="1"/>
             <a:r>
-              <a:rPr lang="en-US" smtClean="0"/>
+              <a:rPr lang="en-US"/>
               <a:t>Second level</a:t>
             </a:r>
           </a:p>
           <a:p>
             <a:pPr lvl="2"/>
             <a:r>
-              <a:rPr lang="en-US" smtClean="0"/>
+              <a:rPr lang="en-US"/>
               <a:t>Third level</a:t>
             </a:r>
           </a:p>
           <a:p>
             <a:pPr lvl="3"/>
             <a:r>
-              <a:rPr lang="en-US" smtClean="0"/>
+              <a:rPr lang="en-US"/>
               <a:t>Fourth level</a:t>
             </a:r>
           </a:p>
           <a:p>
             <a:pPr lvl="4"/>
             <a:r>
-              <a:rPr lang="en-US" smtClean="0"/>
+              <a:rPr lang="en-US"/>
               <a:t>Fifth level</a:t>
             </a:r>
-            <a:endParaRPr lang="en-US"/>
           </a:p>
         </p:txBody>
       </p:sp>
@@ -816,7 +824,7 @@
           <a:p>
             <a:fld id="{B2C77EA4-5A45-2B4C-AEBA-0A02CA6D9FC9}" type="datetimeFigureOut">
               <a:rPr lang="en-US" smtClean="0"/>
-              <a:t>8/3/16</a:t>
+              <a:t>5/8/18</a:t>
             </a:fld>
             <a:endParaRPr lang="en-US"/>
           </a:p>
@@ -919,10 +927,9 @@
           </a:lstStyle>
           <a:p>
             <a:r>
-              <a:rPr lang="en-US" smtClean="0"/>
+              <a:rPr lang="en-US"/>
               <a:t>Click to edit Master title style</a:t>
             </a:r>
-            <a:endParaRPr lang="en-US"/>
           </a:p>
         </p:txBody>
       </p:sp>
@@ -1039,7 +1046,7 @@
           <a:p>
             <a:pPr lvl="0"/>
             <a:r>
-              <a:rPr lang="en-US" smtClean="0"/>
+              <a:rPr lang="en-US"/>
               <a:t>Click to edit Master text styles</a:t>
             </a:r>
           </a:p>
@@ -1062,7 +1069,7 @@
           <a:p>
             <a:fld id="{B2C77EA4-5A45-2B4C-AEBA-0A02CA6D9FC9}" type="datetimeFigureOut">
               <a:rPr lang="en-US" smtClean="0"/>
-              <a:t>8/3/16</a:t>
+              <a:t>5/8/18</a:t>
             </a:fld>
             <a:endParaRPr lang="en-US"/>
           </a:p>
@@ -1156,10 +1163,9 @@
           <a:lstStyle/>
           <a:p>
             <a:r>
-              <a:rPr lang="en-US" smtClean="0"/>
+              <a:rPr lang="en-US"/>
               <a:t>Click to edit Master title style</a:t>
             </a:r>
-            <a:endParaRPr lang="en-US"/>
           </a:p>
         </p:txBody>
       </p:sp>
@@ -1213,38 +1219,37 @@
           <a:p>
             <a:pPr lvl="0"/>
             <a:r>
-              <a:rPr lang="en-US" smtClean="0"/>
+              <a:rPr lang="en-US"/>
               <a:t>Click to edit Master text styles</a:t>
             </a:r>
           </a:p>
           <a:p>
             <a:pPr lvl="1"/>
             <a:r>
-              <a:rPr lang="en-US" smtClean="0"/>
+              <a:rPr lang="en-US"/>
               <a:t>Second level</a:t>
             </a:r>
           </a:p>
           <a:p>
             <a:pPr lvl="2"/>
             <a:r>
-              <a:rPr lang="en-US" smtClean="0"/>
+              <a:rPr lang="en-US"/>
               <a:t>Third level</a:t>
             </a:r>
           </a:p>
           <a:p>
             <a:pPr lvl="3"/>
             <a:r>
-              <a:rPr lang="en-US" smtClean="0"/>
+              <a:rPr lang="en-US"/>
               <a:t>Fourth level</a:t>
             </a:r>
           </a:p>
           <a:p>
             <a:pPr lvl="4"/>
             <a:r>
-              <a:rPr lang="en-US" smtClean="0"/>
+              <a:rPr lang="en-US"/>
               <a:t>Fifth level</a:t>
             </a:r>
-            <a:endParaRPr lang="en-US"/>
           </a:p>
         </p:txBody>
       </p:sp>
@@ -1298,38 +1303,37 @@
           <a:p>
             <a:pPr lvl="0"/>
             <a:r>
-              <a:rPr lang="en-US" smtClean="0"/>
+              <a:rPr lang="en-US"/>
               <a:t>Click to edit Master text styles</a:t>
             </a:r>
           </a:p>
           <a:p>
             <a:pPr lvl="1"/>
             <a:r>
-              <a:rPr lang="en-US" smtClean="0"/>
+              <a:rPr lang="en-US"/>
               <a:t>Second level</a:t>
             </a:r>
           </a:p>
           <a:p>
             <a:pPr lvl="2"/>
             <a:r>
-              <a:rPr lang="en-US" smtClean="0"/>
+              <a:rPr lang="en-US"/>
               <a:t>Third level</a:t>
             </a:r>
           </a:p>
           <a:p>
             <a:pPr lvl="3"/>
             <a:r>
-              <a:rPr lang="en-US" smtClean="0"/>
+              <a:rPr lang="en-US"/>
               <a:t>Fourth level</a:t>
             </a:r>
           </a:p>
           <a:p>
             <a:pPr lvl="4"/>
             <a:r>
-              <a:rPr lang="en-US" smtClean="0"/>
+              <a:rPr lang="en-US"/>
               <a:t>Fifth level</a:t>
             </a:r>
-            <a:endParaRPr lang="en-US"/>
           </a:p>
         </p:txBody>
       </p:sp>
@@ -1350,7 +1354,7 @@
           <a:p>
             <a:fld id="{B2C77EA4-5A45-2B4C-AEBA-0A02CA6D9FC9}" type="datetimeFigureOut">
               <a:rPr lang="en-US" smtClean="0"/>
-              <a:t>8/3/16</a:t>
+              <a:t>5/8/18</a:t>
             </a:fld>
             <a:endParaRPr lang="en-US"/>
           </a:p>
@@ -1448,10 +1452,9 @@
           </a:lstStyle>
           <a:p>
             <a:r>
-              <a:rPr lang="en-US" smtClean="0"/>
+              <a:rPr lang="en-US"/>
               <a:t>Click to edit Master title style</a:t>
             </a:r>
-            <a:endParaRPr lang="en-US"/>
           </a:p>
         </p:txBody>
       </p:sp>
@@ -1514,7 +1517,7 @@
           <a:p>
             <a:pPr lvl="0"/>
             <a:r>
-              <a:rPr lang="en-US" smtClean="0"/>
+              <a:rPr lang="en-US"/>
               <a:t>Click to edit Master text styles</a:t>
             </a:r>
           </a:p>
@@ -1570,38 +1573,37 @@
           <a:p>
             <a:pPr lvl="0"/>
             <a:r>
-              <a:rPr lang="en-US" smtClean="0"/>
+              <a:rPr lang="en-US"/>
               <a:t>Click to edit Master text styles</a:t>
             </a:r>
           </a:p>
           <a:p>
             <a:pPr lvl="1"/>
             <a:r>
-              <a:rPr lang="en-US" smtClean="0"/>
+              <a:rPr lang="en-US"/>
               <a:t>Second level</a:t>
             </a:r>
           </a:p>
           <a:p>
             <a:pPr lvl="2"/>
             <a:r>
-              <a:rPr lang="en-US" smtClean="0"/>
+              <a:rPr lang="en-US"/>
               <a:t>Third level</a:t>
             </a:r>
           </a:p>
           <a:p>
             <a:pPr lvl="3"/>
             <a:r>
-              <a:rPr lang="en-US" smtClean="0"/>
+              <a:rPr lang="en-US"/>
               <a:t>Fourth level</a:t>
             </a:r>
           </a:p>
           <a:p>
             <a:pPr lvl="4"/>
             <a:r>
-              <a:rPr lang="en-US" smtClean="0"/>
+              <a:rPr lang="en-US"/>
               <a:t>Fifth level</a:t>
             </a:r>
-            <a:endParaRPr lang="en-US"/>
           </a:p>
         </p:txBody>
       </p:sp>
@@ -1664,7 +1666,7 @@
           <a:p>
             <a:pPr lvl="0"/>
             <a:r>
-              <a:rPr lang="en-US" smtClean="0"/>
+              <a:rPr lang="en-US"/>
               <a:t>Click to edit Master text styles</a:t>
             </a:r>
           </a:p>
@@ -1720,38 +1722,37 @@
           <a:p>
             <a:pPr lvl="0"/>
             <a:r>
-              <a:rPr lang="en-US" smtClean="0"/>
+              <a:rPr lang="en-US"/>
               <a:t>Click to edit Master text styles</a:t>
             </a:r>
           </a:p>
           <a:p>
             <a:pPr lvl="1"/>
             <a:r>
-              <a:rPr lang="en-US" smtClean="0"/>
+              <a:rPr lang="en-US"/>
               <a:t>Second level</a:t>
             </a:r>
           </a:p>
           <a:p>
             <a:pPr lvl="2"/>
             <a:r>
-              <a:rPr lang="en-US" smtClean="0"/>
+              <a:rPr lang="en-US"/>
               <a:t>Third level</a:t>
             </a:r>
           </a:p>
           <a:p>
             <a:pPr lvl="3"/>
             <a:r>
-              <a:rPr lang="en-US" smtClean="0"/>
+              <a:rPr lang="en-US"/>
               <a:t>Fourth level</a:t>
             </a:r>
           </a:p>
           <a:p>
             <a:pPr lvl="4"/>
             <a:r>
-              <a:rPr lang="en-US" smtClean="0"/>
+              <a:rPr lang="en-US"/>
               <a:t>Fifth level</a:t>
             </a:r>
-            <a:endParaRPr lang="en-US"/>
           </a:p>
         </p:txBody>
       </p:sp>
@@ -1772,7 +1773,7 @@
           <a:p>
             <a:fld id="{B2C77EA4-5A45-2B4C-AEBA-0A02CA6D9FC9}" type="datetimeFigureOut">
               <a:rPr lang="en-US" smtClean="0"/>
-              <a:t>8/3/16</a:t>
+              <a:t>5/8/18</a:t>
             </a:fld>
             <a:endParaRPr lang="en-US"/>
           </a:p>
@@ -1866,10 +1867,9 @@
           <a:lstStyle/>
           <a:p>
             <a:r>
-              <a:rPr lang="en-US" smtClean="0"/>
+              <a:rPr lang="en-US"/>
               <a:t>Click to edit Master title style</a:t>
             </a:r>
-            <a:endParaRPr lang="en-US"/>
           </a:p>
         </p:txBody>
       </p:sp>
@@ -1890,7 +1890,7 @@
           <a:p>
             <a:fld id="{B2C77EA4-5A45-2B4C-AEBA-0A02CA6D9FC9}" type="datetimeFigureOut">
               <a:rPr lang="en-US" smtClean="0"/>
-              <a:t>8/3/16</a:t>
+              <a:t>5/8/18</a:t>
             </a:fld>
             <a:endParaRPr lang="en-US"/>
           </a:p>
@@ -1985,7 +1985,7 @@
           <a:p>
             <a:fld id="{B2C77EA4-5A45-2B4C-AEBA-0A02CA6D9FC9}" type="datetimeFigureOut">
               <a:rPr lang="en-US" smtClean="0"/>
-              <a:t>8/3/16</a:t>
+              <a:t>5/8/18</a:t>
             </a:fld>
             <a:endParaRPr lang="en-US"/>
           </a:p>
@@ -2088,10 +2088,9 @@
           </a:lstStyle>
           <a:p>
             <a:r>
-              <a:rPr lang="en-US" smtClean="0"/>
+              <a:rPr lang="en-US"/>
               <a:t>Click to edit Master title style</a:t>
             </a:r>
-            <a:endParaRPr lang="en-US"/>
           </a:p>
         </p:txBody>
       </p:sp>
@@ -2145,38 +2144,37 @@
           <a:p>
             <a:pPr lvl="0"/>
             <a:r>
-              <a:rPr lang="en-US" smtClean="0"/>
+              <a:rPr lang="en-US"/>
               <a:t>Click to edit Master text styles</a:t>
             </a:r>
           </a:p>
           <a:p>
             <a:pPr lvl="1"/>
             <a:r>
-              <a:rPr lang="en-US" smtClean="0"/>
+              <a:rPr lang="en-US"/>
               <a:t>Second level</a:t>
             </a:r>
           </a:p>
           <a:p>
             <a:pPr lvl="2"/>
             <a:r>
-              <a:rPr lang="en-US" smtClean="0"/>
+              <a:rPr lang="en-US"/>
               <a:t>Third level</a:t>
             </a:r>
           </a:p>
           <a:p>
             <a:pPr lvl="3"/>
             <a:r>
-              <a:rPr lang="en-US" smtClean="0"/>
+              <a:rPr lang="en-US"/>
               <a:t>Fourth level</a:t>
             </a:r>
           </a:p>
           <a:p>
             <a:pPr lvl="4"/>
             <a:r>
-              <a:rPr lang="en-US" smtClean="0"/>
+              <a:rPr lang="en-US"/>
               <a:t>Fifth level</a:t>
             </a:r>
-            <a:endParaRPr lang="en-US"/>
           </a:p>
         </p:txBody>
       </p:sp>
@@ -2239,7 +2237,7 @@
           <a:p>
             <a:pPr lvl="0"/>
             <a:r>
-              <a:rPr lang="en-US" smtClean="0"/>
+              <a:rPr lang="en-US"/>
               <a:t>Click to edit Master text styles</a:t>
             </a:r>
           </a:p>
@@ -2262,7 +2260,7 @@
           <a:p>
             <a:fld id="{B2C77EA4-5A45-2B4C-AEBA-0A02CA6D9FC9}" type="datetimeFigureOut">
               <a:rPr lang="en-US" smtClean="0"/>
-              <a:t>8/3/16</a:t>
+              <a:t>5/8/18</a:t>
             </a:fld>
             <a:endParaRPr lang="en-US"/>
           </a:p>
@@ -2365,10 +2363,9 @@
           </a:lstStyle>
           <a:p>
             <a:r>
-              <a:rPr lang="en-US" smtClean="0"/>
+              <a:rPr lang="en-US"/>
               <a:t>Click to edit Master title style</a:t>
             </a:r>
-            <a:endParaRPr lang="en-US"/>
           </a:p>
         </p:txBody>
       </p:sp>
@@ -2492,7 +2489,7 @@
           <a:p>
             <a:pPr lvl="0"/>
             <a:r>
-              <a:rPr lang="en-US" smtClean="0"/>
+              <a:rPr lang="en-US"/>
               <a:t>Click to edit Master text styles</a:t>
             </a:r>
           </a:p>
@@ -2515,7 +2512,7 @@
           <a:p>
             <a:fld id="{B2C77EA4-5A45-2B4C-AEBA-0A02CA6D9FC9}" type="datetimeFigureOut">
               <a:rPr lang="en-US" smtClean="0"/>
-              <a:t>8/3/16</a:t>
+              <a:t>5/8/18</a:t>
             </a:fld>
             <a:endParaRPr lang="en-US"/>
           </a:p>
@@ -2624,10 +2621,9 @@
           <a:lstStyle/>
           <a:p>
             <a:r>
-              <a:rPr lang="en-US" smtClean="0"/>
+              <a:rPr lang="en-US"/>
               <a:t>Click to edit Master title style</a:t>
             </a:r>
-            <a:endParaRPr lang="en-US"/>
           </a:p>
         </p:txBody>
       </p:sp>
@@ -2658,38 +2654,37 @@
           <a:p>
             <a:pPr lvl="0"/>
             <a:r>
-              <a:rPr lang="en-US" smtClean="0"/>
+              <a:rPr lang="en-US"/>
               <a:t>Click to edit Master text styles</a:t>
             </a:r>
           </a:p>
           <a:p>
             <a:pPr lvl="1"/>
             <a:r>
-              <a:rPr lang="en-US" smtClean="0"/>
+              <a:rPr lang="en-US"/>
               <a:t>Second level</a:t>
             </a:r>
           </a:p>
           <a:p>
             <a:pPr lvl="2"/>
             <a:r>
-              <a:rPr lang="en-US" smtClean="0"/>
+              <a:rPr lang="en-US"/>
               <a:t>Third level</a:t>
             </a:r>
           </a:p>
           <a:p>
             <a:pPr lvl="3"/>
             <a:r>
-              <a:rPr lang="en-US" smtClean="0"/>
+              <a:rPr lang="en-US"/>
               <a:t>Fourth level</a:t>
             </a:r>
           </a:p>
           <a:p>
             <a:pPr lvl="4"/>
             <a:r>
-              <a:rPr lang="en-US" smtClean="0"/>
+              <a:rPr lang="en-US"/>
               <a:t>Fifth level</a:t>
             </a:r>
-            <a:endParaRPr lang="en-US"/>
           </a:p>
         </p:txBody>
       </p:sp>
@@ -2728,7 +2723,7 @@
           <a:p>
             <a:fld id="{B2C77EA4-5A45-2B4C-AEBA-0A02CA6D9FC9}" type="datetimeFigureOut">
               <a:rPr lang="en-US" smtClean="0"/>
-              <a:t>8/3/16</a:t>
+              <a:t>5/8/18</a:t>
             </a:fld>
             <a:endParaRPr lang="en-US"/>
           </a:p>
@@ -3224,7 +3219,6 @@
               <a:rPr lang="en-US" dirty="0"/>
               <a:t>5</a:t>
             </a:r>
-            <a:endParaRPr lang="en-US" dirty="0"/>
           </a:p>
         </p:txBody>
       </p:sp>
@@ -3280,12 +3274,6 @@
               </a:rPr>
               <a:t>2</a:t>
             </a:r>
-            <a:endParaRPr lang="en-US" sz="2700" dirty="0">
-              <a:solidFill>
-                <a:schemeClr val="tx1"/>
-              </a:solidFill>
-              <a:latin typeface="Calibri"/>
-            </a:endParaRPr>
           </a:p>
         </p:txBody>
       </p:sp>
@@ -3341,12 +3329,6 @@
               </a:rPr>
               <a:t>3</a:t>
             </a:r>
-            <a:endParaRPr lang="en-US" sz="2700" dirty="0">
-              <a:solidFill>
-                <a:schemeClr val="tx1"/>
-              </a:solidFill>
-              <a:latin typeface="Calibri"/>
-            </a:endParaRPr>
           </a:p>
         </p:txBody>
       </p:sp>
@@ -3402,12 +3384,6 @@
               </a:rPr>
               <a:t>4</a:t>
             </a:r>
-            <a:endParaRPr lang="en-US" sz="2700" dirty="0">
-              <a:solidFill>
-                <a:schemeClr val="tx1"/>
-              </a:solidFill>
-              <a:latin typeface="Calibri"/>
-            </a:endParaRPr>
           </a:p>
         </p:txBody>
       </p:sp>
@@ -3463,12 +3439,6 @@
               </a:rPr>
               <a:t>6</a:t>
             </a:r>
-            <a:endParaRPr lang="en-US" sz="2700" dirty="0">
-              <a:solidFill>
-                <a:schemeClr val="tx1"/>
-              </a:solidFill>
-              <a:latin typeface="Calibri"/>
-            </a:endParaRPr>
           </a:p>
         </p:txBody>
       </p:sp>
@@ -3941,7 +3911,6 @@
               <a:rPr lang="en-US" dirty="0"/>
               <a:t>5</a:t>
             </a:r>
-            <a:endParaRPr lang="en-US" dirty="0"/>
           </a:p>
         </p:txBody>
       </p:sp>
@@ -3968,10 +3937,9 @@
           <a:lstStyle/>
           <a:p>
             <a:r>
-              <a:rPr lang="en-US" dirty="0" smtClean="0"/>
+              <a:rPr lang="en-US" dirty="0"/>
               <a:t>6</a:t>
             </a:r>
-            <a:endParaRPr lang="en-US" dirty="0"/>
           </a:p>
         </p:txBody>
       </p:sp>
@@ -4001,7 +3969,6 @@
               <a:rPr lang="en-US" dirty="0"/>
               <a:t>5</a:t>
             </a:r>
-            <a:endParaRPr lang="en-US" dirty="0"/>
           </a:p>
         </p:txBody>
       </p:sp>
@@ -4028,10 +3995,9 @@
           <a:lstStyle/>
           <a:p>
             <a:r>
-              <a:rPr lang="en-US" dirty="0" smtClean="0"/>
+              <a:rPr lang="en-US" dirty="0"/>
               <a:t>6</a:t>
             </a:r>
-            <a:endParaRPr lang="en-US" dirty="0"/>
           </a:p>
         </p:txBody>
       </p:sp>
@@ -4061,7 +4027,6 @@
               <a:rPr lang="en-US" dirty="0"/>
               <a:t>4</a:t>
             </a:r>
-            <a:endParaRPr lang="en-US" dirty="0"/>
           </a:p>
         </p:txBody>
       </p:sp>
@@ -4088,10 +4053,9 @@
           <a:lstStyle/>
           <a:p>
             <a:r>
-              <a:rPr lang="en-US" dirty="0" smtClean="0"/>
+              <a:rPr lang="en-US" dirty="0"/>
               <a:t>6</a:t>
             </a:r>
-            <a:endParaRPr lang="en-US" dirty="0"/>
           </a:p>
         </p:txBody>
       </p:sp>
@@ -4121,7 +4085,6 @@
               <a:rPr lang="en-US" dirty="0"/>
               <a:t>3</a:t>
             </a:r>
-            <a:endParaRPr lang="en-US" dirty="0"/>
           </a:p>
         </p:txBody>
       </p:sp>
@@ -4151,7 +4114,6 @@
               <a:rPr lang="en-US" dirty="0"/>
               <a:t>1</a:t>
             </a:r>
-            <a:endParaRPr lang="en-US" dirty="0"/>
           </a:p>
         </p:txBody>
       </p:sp>
@@ -4262,12 +4224,6 @@
               </a:rPr>
               <a:t>2</a:t>
             </a:r>
-            <a:endParaRPr lang="en-US" sz="2700" dirty="0">
-              <a:solidFill>
-                <a:schemeClr val="tx1"/>
-              </a:solidFill>
-              <a:latin typeface="Calibri"/>
-            </a:endParaRPr>
           </a:p>
         </p:txBody>
       </p:sp>
@@ -4323,12 +4279,6 @@
               </a:rPr>
               <a:t>3</a:t>
             </a:r>
-            <a:endParaRPr lang="en-US" sz="2700" dirty="0">
-              <a:solidFill>
-                <a:schemeClr val="tx1"/>
-              </a:solidFill>
-              <a:latin typeface="Calibri"/>
-            </a:endParaRPr>
           </a:p>
         </p:txBody>
       </p:sp>
@@ -4384,12 +4334,6 @@
               </a:rPr>
               <a:t>4</a:t>
             </a:r>
-            <a:endParaRPr lang="en-US" sz="2700" dirty="0">
-              <a:solidFill>
-                <a:schemeClr val="tx1"/>
-              </a:solidFill>
-              <a:latin typeface="Calibri"/>
-            </a:endParaRPr>
           </a:p>
         </p:txBody>
       </p:sp>
@@ -4445,12 +4389,6 @@
               </a:rPr>
               <a:t>6</a:t>
             </a:r>
-            <a:endParaRPr lang="en-US" sz="2700" dirty="0">
-              <a:solidFill>
-                <a:schemeClr val="tx1"/>
-              </a:solidFill>
-              <a:latin typeface="Calibri"/>
-            </a:endParaRPr>
           </a:p>
         </p:txBody>
       </p:sp>
@@ -4764,7 +4702,6 @@
               <a:rPr lang="en-US" dirty="0"/>
               <a:t>5</a:t>
             </a:r>
-            <a:endParaRPr lang="en-US" dirty="0"/>
           </a:p>
         </p:txBody>
       </p:sp>
@@ -4794,7 +4731,6 @@
               <a:rPr lang="en-US" dirty="0"/>
               <a:t>4</a:t>
             </a:r>
-            <a:endParaRPr lang="en-US" dirty="0"/>
           </a:p>
         </p:txBody>
       </p:sp>
@@ -4824,7 +4760,6 @@
               <a:rPr lang="en-US" dirty="0"/>
               <a:t>3</a:t>
             </a:r>
-            <a:endParaRPr lang="en-US" dirty="0"/>
           </a:p>
         </p:txBody>
       </p:sp>
@@ -4854,7 +4789,6 @@
               <a:rPr lang="en-US" dirty="0"/>
               <a:t>1</a:t>
             </a:r>
-            <a:endParaRPr lang="en-US" dirty="0"/>
           </a:p>
         </p:txBody>
       </p:sp>
@@ -4932,7 +4866,7 @@
           <a:p>
             <a:pPr algn="ctr" defTabSz="685783"/>
             <a:r>
-              <a:rPr lang="en-US" sz="2400" dirty="0" smtClean="0">
+              <a:rPr lang="en-US" sz="2400" dirty="0">
                 <a:solidFill>
                   <a:schemeClr val="tx1"/>
                 </a:solidFill>
@@ -4940,12 +4874,6 @@
               </a:rPr>
               <a:t>v2</a:t>
             </a:r>
-            <a:endParaRPr lang="en-US" sz="2400" dirty="0">
-              <a:solidFill>
-                <a:schemeClr val="tx1"/>
-              </a:solidFill>
-              <a:latin typeface="Calibri"/>
-            </a:endParaRPr>
           </a:p>
         </p:txBody>
       </p:sp>
@@ -5033,7 +4961,7 @@
           <a:p>
             <a:pPr algn="ctr" defTabSz="685783"/>
             <a:r>
-              <a:rPr lang="en-US" sz="2400" dirty="0" smtClean="0">
+              <a:rPr lang="en-US" sz="2400" dirty="0">
                 <a:solidFill>
                   <a:schemeClr val="tx1"/>
                 </a:solidFill>
@@ -5041,12 +4969,6 @@
               </a:rPr>
               <a:t>v0</a:t>
             </a:r>
-            <a:endParaRPr lang="en-US" sz="2400" dirty="0">
-              <a:solidFill>
-                <a:schemeClr val="tx1"/>
-              </a:solidFill>
-              <a:latin typeface="Calibri"/>
-            </a:endParaRPr>
           </a:p>
         </p:txBody>
       </p:sp>
@@ -5094,7 +5016,7 @@
           <a:p>
             <a:pPr algn="ctr" defTabSz="685783"/>
             <a:r>
-              <a:rPr lang="en-US" sz="2400" dirty="0" smtClean="0">
+              <a:rPr lang="en-US" sz="2400" dirty="0">
                 <a:solidFill>
                   <a:schemeClr val="tx1"/>
                 </a:solidFill>
@@ -5102,12 +5024,6 @@
               </a:rPr>
               <a:t>v5</a:t>
             </a:r>
-            <a:endParaRPr lang="en-US" sz="2400" dirty="0">
-              <a:solidFill>
-                <a:schemeClr val="tx1"/>
-              </a:solidFill>
-              <a:latin typeface="Calibri"/>
-            </a:endParaRPr>
           </a:p>
         </p:txBody>
       </p:sp>
@@ -5155,7 +5071,7 @@
           <a:p>
             <a:pPr algn="ctr" defTabSz="685783"/>
             <a:r>
-              <a:rPr lang="en-US" sz="2400" dirty="0" smtClean="0">
+              <a:rPr lang="en-US" sz="2400" dirty="0">
                 <a:solidFill>
                   <a:schemeClr val="tx1"/>
                 </a:solidFill>
@@ -5163,12 +5079,6 @@
               </a:rPr>
               <a:t>v4</a:t>
             </a:r>
-            <a:endParaRPr lang="en-US" sz="2400" dirty="0">
-              <a:solidFill>
-                <a:schemeClr val="tx1"/>
-              </a:solidFill>
-              <a:latin typeface="Calibri"/>
-            </a:endParaRPr>
           </a:p>
         </p:txBody>
       </p:sp>
@@ -5216,7 +5126,7 @@
           <a:p>
             <a:pPr algn="ctr" defTabSz="685783"/>
             <a:r>
-              <a:rPr lang="en-US" sz="2400" dirty="0" smtClean="0">
+              <a:rPr lang="en-US" sz="2400" dirty="0">
                 <a:solidFill>
                   <a:schemeClr val="tx1"/>
                 </a:solidFill>
@@ -5224,12 +5134,6 @@
               </a:rPr>
               <a:t>v1</a:t>
             </a:r>
-            <a:endParaRPr lang="en-US" sz="2400" dirty="0">
-              <a:solidFill>
-                <a:schemeClr val="tx1"/>
-              </a:solidFill>
-              <a:latin typeface="Calibri"/>
-            </a:endParaRPr>
           </a:p>
         </p:txBody>
       </p:sp>
@@ -5277,7 +5181,7 @@
           <a:p>
             <a:pPr algn="ctr" defTabSz="685783"/>
             <a:r>
-              <a:rPr lang="en-US" sz="2400" dirty="0" smtClean="0">
+              <a:rPr lang="en-US" sz="2400" dirty="0">
                 <a:solidFill>
                   <a:schemeClr val="tx1"/>
                 </a:solidFill>
@@ -5285,12 +5189,6 @@
               </a:rPr>
               <a:t>v6</a:t>
             </a:r>
-            <a:endParaRPr lang="en-US" sz="2400" dirty="0">
-              <a:solidFill>
-                <a:schemeClr val="tx1"/>
-              </a:solidFill>
-              <a:latin typeface="Calibri"/>
-            </a:endParaRPr>
           </a:p>
         </p:txBody>
       </p:sp>
@@ -5338,7 +5236,7 @@
           <a:p>
             <a:pPr algn="ctr" defTabSz="685783"/>
             <a:r>
-              <a:rPr lang="en-US" sz="2400" dirty="0" smtClean="0">
+              <a:rPr lang="en-US" sz="2400" dirty="0">
                 <a:solidFill>
                   <a:schemeClr val="tx1"/>
                 </a:solidFill>
@@ -5346,12 +5244,6 @@
               </a:rPr>
               <a:t>v3</a:t>
             </a:r>
-            <a:endParaRPr lang="en-US" sz="2400" dirty="0">
-              <a:solidFill>
-                <a:schemeClr val="tx1"/>
-              </a:solidFill>
-              <a:latin typeface="Calibri"/>
-            </a:endParaRPr>
           </a:p>
         </p:txBody>
       </p:sp>
@@ -5748,7 +5640,7 @@
           <a:p>
             <a:pPr algn="ctr" defTabSz="685783"/>
             <a:r>
-              <a:rPr lang="en-US" sz="2400" dirty="0" smtClean="0">
+              <a:rPr lang="en-US" sz="2400" dirty="0">
                 <a:solidFill>
                   <a:schemeClr val="tx1"/>
                 </a:solidFill>
@@ -5756,12 +5648,6 @@
               </a:rPr>
               <a:t>v2</a:t>
             </a:r>
-            <a:endParaRPr lang="en-US" sz="2400" dirty="0">
-              <a:solidFill>
-                <a:schemeClr val="tx1"/>
-              </a:solidFill>
-              <a:latin typeface="Calibri"/>
-            </a:endParaRPr>
           </a:p>
         </p:txBody>
       </p:sp>
@@ -5809,7 +5695,7 @@
           <a:p>
             <a:pPr algn="ctr" defTabSz="685783"/>
             <a:r>
-              <a:rPr lang="en-US" sz="2400" dirty="0" smtClean="0">
+              <a:rPr lang="en-US" sz="2400" dirty="0">
                 <a:solidFill>
                   <a:schemeClr val="tx1"/>
                 </a:solidFill>
@@ -5817,12 +5703,6 @@
               </a:rPr>
               <a:t>v0</a:t>
             </a:r>
-            <a:endParaRPr lang="en-US" sz="2400" dirty="0">
-              <a:solidFill>
-                <a:schemeClr val="tx1"/>
-              </a:solidFill>
-              <a:latin typeface="Calibri"/>
-            </a:endParaRPr>
           </a:p>
         </p:txBody>
       </p:sp>
@@ -5870,7 +5750,7 @@
           <a:p>
             <a:pPr algn="ctr" defTabSz="685783"/>
             <a:r>
-              <a:rPr lang="en-US" sz="2400" dirty="0" smtClean="0">
+              <a:rPr lang="en-US" sz="2400" dirty="0">
                 <a:solidFill>
                   <a:schemeClr val="tx1"/>
                 </a:solidFill>
@@ -5878,12 +5758,6 @@
               </a:rPr>
               <a:t>v5</a:t>
             </a:r>
-            <a:endParaRPr lang="en-US" sz="2400" dirty="0">
-              <a:solidFill>
-                <a:schemeClr val="tx1"/>
-              </a:solidFill>
-              <a:latin typeface="Calibri"/>
-            </a:endParaRPr>
           </a:p>
         </p:txBody>
       </p:sp>
@@ -5931,7 +5805,7 @@
           <a:p>
             <a:pPr algn="ctr" defTabSz="685783"/>
             <a:r>
-              <a:rPr lang="en-US" sz="2400" dirty="0" smtClean="0">
+              <a:rPr lang="en-US" sz="2400" dirty="0">
                 <a:solidFill>
                   <a:schemeClr val="tx1"/>
                 </a:solidFill>
@@ -5939,12 +5813,6 @@
               </a:rPr>
               <a:t>v4</a:t>
             </a:r>
-            <a:endParaRPr lang="en-US" sz="2400" dirty="0">
-              <a:solidFill>
-                <a:schemeClr val="tx1"/>
-              </a:solidFill>
-              <a:latin typeface="Calibri"/>
-            </a:endParaRPr>
           </a:p>
         </p:txBody>
       </p:sp>
@@ -5992,7 +5860,7 @@
           <a:p>
             <a:pPr algn="ctr" defTabSz="685783"/>
             <a:r>
-              <a:rPr lang="en-US" sz="2400" dirty="0" smtClean="0">
+              <a:rPr lang="en-US" sz="2400" dirty="0">
                 <a:solidFill>
                   <a:schemeClr val="tx1"/>
                 </a:solidFill>
@@ -6000,12 +5868,6 @@
               </a:rPr>
               <a:t>v1</a:t>
             </a:r>
-            <a:endParaRPr lang="en-US" sz="2400" dirty="0">
-              <a:solidFill>
-                <a:schemeClr val="tx1"/>
-              </a:solidFill>
-              <a:latin typeface="Calibri"/>
-            </a:endParaRPr>
           </a:p>
         </p:txBody>
       </p:sp>
@@ -6053,7 +5915,7 @@
           <a:p>
             <a:pPr algn="ctr" defTabSz="685783"/>
             <a:r>
-              <a:rPr lang="en-US" sz="2400" dirty="0" smtClean="0">
+              <a:rPr lang="en-US" sz="2400" dirty="0">
                 <a:solidFill>
                   <a:schemeClr val="tx1"/>
                 </a:solidFill>
@@ -6061,12 +5923,6 @@
               </a:rPr>
               <a:t>v6</a:t>
             </a:r>
-            <a:endParaRPr lang="en-US" sz="2400" dirty="0">
-              <a:solidFill>
-                <a:schemeClr val="tx1"/>
-              </a:solidFill>
-              <a:latin typeface="Calibri"/>
-            </a:endParaRPr>
           </a:p>
         </p:txBody>
       </p:sp>
@@ -6114,7 +5970,7 @@
           <a:p>
             <a:pPr algn="ctr" defTabSz="685783"/>
             <a:r>
-              <a:rPr lang="en-US" sz="2400" dirty="0" smtClean="0">
+              <a:rPr lang="en-US" sz="2400" dirty="0">
                 <a:solidFill>
                   <a:schemeClr val="tx1"/>
                 </a:solidFill>
@@ -6122,12 +5978,6 @@
               </a:rPr>
               <a:t>v3</a:t>
             </a:r>
-            <a:endParaRPr lang="en-US" sz="2400" dirty="0">
-              <a:solidFill>
-                <a:schemeClr val="tx1"/>
-              </a:solidFill>
-              <a:latin typeface="Calibri"/>
-            </a:endParaRPr>
           </a:p>
         </p:txBody>
       </p:sp>
@@ -6484,7 +6334,7 @@
           <a:p>
             <a:pPr algn="ctr" defTabSz="685783"/>
             <a:r>
-              <a:rPr lang="en-US" sz="2400" dirty="0" smtClean="0">
+              <a:rPr lang="en-US" sz="2400" dirty="0">
                 <a:solidFill>
                   <a:schemeClr val="tx1"/>
                 </a:solidFill>
@@ -6492,12 +6342,6 @@
               </a:rPr>
               <a:t>v2</a:t>
             </a:r>
-            <a:endParaRPr lang="en-US" sz="2400" dirty="0">
-              <a:solidFill>
-                <a:schemeClr val="tx1"/>
-              </a:solidFill>
-              <a:latin typeface="Calibri"/>
-            </a:endParaRPr>
           </a:p>
         </p:txBody>
       </p:sp>
@@ -6545,7 +6389,7 @@
           <a:p>
             <a:pPr algn="ctr" defTabSz="685783"/>
             <a:r>
-              <a:rPr lang="en-US" sz="2400" dirty="0" smtClean="0">
+              <a:rPr lang="en-US" sz="2400" dirty="0">
                 <a:solidFill>
                   <a:schemeClr val="tx1"/>
                 </a:solidFill>
@@ -6553,12 +6397,6 @@
               </a:rPr>
               <a:t>v0</a:t>
             </a:r>
-            <a:endParaRPr lang="en-US" sz="2400" dirty="0">
-              <a:solidFill>
-                <a:schemeClr val="tx1"/>
-              </a:solidFill>
-              <a:latin typeface="Calibri"/>
-            </a:endParaRPr>
           </a:p>
         </p:txBody>
       </p:sp>
@@ -6606,7 +6444,7 @@
           <a:p>
             <a:pPr algn="ctr" defTabSz="685783"/>
             <a:r>
-              <a:rPr lang="en-US" sz="2400" dirty="0" smtClean="0">
+              <a:rPr lang="en-US" sz="2400" dirty="0">
                 <a:solidFill>
                   <a:schemeClr val="tx1"/>
                 </a:solidFill>
@@ -6614,12 +6452,6 @@
               </a:rPr>
               <a:t>v5</a:t>
             </a:r>
-            <a:endParaRPr lang="en-US" sz="2400" dirty="0">
-              <a:solidFill>
-                <a:schemeClr val="tx1"/>
-              </a:solidFill>
-              <a:latin typeface="Calibri"/>
-            </a:endParaRPr>
           </a:p>
         </p:txBody>
       </p:sp>
@@ -6667,7 +6499,7 @@
           <a:p>
             <a:pPr algn="ctr" defTabSz="685783"/>
             <a:r>
-              <a:rPr lang="en-US" sz="2400" dirty="0" smtClean="0">
+              <a:rPr lang="en-US" sz="2400" dirty="0">
                 <a:solidFill>
                   <a:schemeClr val="tx1"/>
                 </a:solidFill>
@@ -6675,12 +6507,6 @@
               </a:rPr>
               <a:t>v4</a:t>
             </a:r>
-            <a:endParaRPr lang="en-US" sz="2400" dirty="0">
-              <a:solidFill>
-                <a:schemeClr val="tx1"/>
-              </a:solidFill>
-              <a:latin typeface="Calibri"/>
-            </a:endParaRPr>
           </a:p>
         </p:txBody>
       </p:sp>
@@ -6728,7 +6554,7 @@
           <a:p>
             <a:pPr algn="ctr" defTabSz="685783"/>
             <a:r>
-              <a:rPr lang="en-US" sz="2400" dirty="0" smtClean="0">
+              <a:rPr lang="en-US" sz="2400" dirty="0">
                 <a:solidFill>
                   <a:schemeClr val="tx1"/>
                 </a:solidFill>
@@ -6736,12 +6562,6 @@
               </a:rPr>
               <a:t>v1</a:t>
             </a:r>
-            <a:endParaRPr lang="en-US" sz="2400" dirty="0">
-              <a:solidFill>
-                <a:schemeClr val="tx1"/>
-              </a:solidFill>
-              <a:latin typeface="Calibri"/>
-            </a:endParaRPr>
           </a:p>
         </p:txBody>
       </p:sp>
@@ -6789,7 +6609,7 @@
           <a:p>
             <a:pPr algn="ctr" defTabSz="685783"/>
             <a:r>
-              <a:rPr lang="en-US" sz="2400" dirty="0" smtClean="0">
+              <a:rPr lang="en-US" sz="2400" dirty="0">
                 <a:solidFill>
                   <a:schemeClr val="tx1"/>
                 </a:solidFill>
@@ -6797,12 +6617,6 @@
               </a:rPr>
               <a:t>v6</a:t>
             </a:r>
-            <a:endParaRPr lang="en-US" sz="2400" dirty="0">
-              <a:solidFill>
-                <a:schemeClr val="tx1"/>
-              </a:solidFill>
-              <a:latin typeface="Calibri"/>
-            </a:endParaRPr>
           </a:p>
         </p:txBody>
       </p:sp>
@@ -6850,7 +6664,7 @@
           <a:p>
             <a:pPr algn="ctr" defTabSz="685783"/>
             <a:r>
-              <a:rPr lang="en-US" sz="2400" dirty="0" smtClean="0">
+              <a:rPr lang="en-US" sz="2400" dirty="0">
                 <a:solidFill>
                   <a:schemeClr val="tx1"/>
                 </a:solidFill>
@@ -6858,12 +6672,6 @@
               </a:rPr>
               <a:t>v3</a:t>
             </a:r>
-            <a:endParaRPr lang="en-US" sz="2400" dirty="0">
-              <a:solidFill>
-                <a:schemeClr val="tx1"/>
-              </a:solidFill>
-              <a:latin typeface="Calibri"/>
-            </a:endParaRPr>
           </a:p>
         </p:txBody>
       </p:sp>
@@ -7180,7 +6988,7 @@
           <a:p>
             <a:pPr algn="ctr" defTabSz="685783"/>
             <a:r>
-              <a:rPr lang="en-US" sz="2400" dirty="0" smtClean="0">
+              <a:rPr lang="en-US" sz="2400" dirty="0">
                 <a:solidFill>
                   <a:schemeClr val="tx1"/>
                 </a:solidFill>
@@ -7188,12 +6996,6 @@
               </a:rPr>
               <a:t>v2</a:t>
             </a:r>
-            <a:endParaRPr lang="en-US" sz="2400" dirty="0">
-              <a:solidFill>
-                <a:schemeClr val="tx1"/>
-              </a:solidFill>
-              <a:latin typeface="Calibri"/>
-            </a:endParaRPr>
           </a:p>
         </p:txBody>
       </p:sp>
@@ -7281,7 +7083,7 @@
           <a:p>
             <a:pPr algn="ctr" defTabSz="685783"/>
             <a:r>
-              <a:rPr lang="en-US" sz="2400" dirty="0" smtClean="0">
+              <a:rPr lang="en-US" sz="2400" dirty="0">
                 <a:solidFill>
                   <a:schemeClr val="tx1"/>
                 </a:solidFill>
@@ -7289,12 +7091,6 @@
               </a:rPr>
               <a:t>v0</a:t>
             </a:r>
-            <a:endParaRPr lang="en-US" sz="2400" dirty="0">
-              <a:solidFill>
-                <a:schemeClr val="tx1"/>
-              </a:solidFill>
-              <a:latin typeface="Calibri"/>
-            </a:endParaRPr>
           </a:p>
         </p:txBody>
       </p:sp>
@@ -7342,7 +7138,7 @@
           <a:p>
             <a:pPr algn="ctr" defTabSz="685783"/>
             <a:r>
-              <a:rPr lang="en-US" sz="2400" dirty="0" smtClean="0">
+              <a:rPr lang="en-US" sz="2400" dirty="0">
                 <a:solidFill>
                   <a:schemeClr val="tx1"/>
                 </a:solidFill>
@@ -7350,12 +7146,6 @@
               </a:rPr>
               <a:t>v5</a:t>
             </a:r>
-            <a:endParaRPr lang="en-US" sz="2400" dirty="0">
-              <a:solidFill>
-                <a:schemeClr val="tx1"/>
-              </a:solidFill>
-              <a:latin typeface="Calibri"/>
-            </a:endParaRPr>
           </a:p>
         </p:txBody>
       </p:sp>
@@ -7403,7 +7193,7 @@
           <a:p>
             <a:pPr algn="ctr" defTabSz="685783"/>
             <a:r>
-              <a:rPr lang="en-US" sz="2400" dirty="0" smtClean="0">
+              <a:rPr lang="en-US" sz="2400" dirty="0">
                 <a:solidFill>
                   <a:schemeClr val="tx1"/>
                 </a:solidFill>
@@ -7411,12 +7201,6 @@
               </a:rPr>
               <a:t>v4</a:t>
             </a:r>
-            <a:endParaRPr lang="en-US" sz="2400" dirty="0">
-              <a:solidFill>
-                <a:schemeClr val="tx1"/>
-              </a:solidFill>
-              <a:latin typeface="Calibri"/>
-            </a:endParaRPr>
           </a:p>
         </p:txBody>
       </p:sp>
@@ -7464,7 +7248,7 @@
           <a:p>
             <a:pPr algn="ctr" defTabSz="685783"/>
             <a:r>
-              <a:rPr lang="en-US" sz="2400" dirty="0" smtClean="0">
+              <a:rPr lang="en-US" sz="2400" dirty="0">
                 <a:solidFill>
                   <a:schemeClr val="tx1"/>
                 </a:solidFill>
@@ -7472,12 +7256,6 @@
               </a:rPr>
               <a:t>v1</a:t>
             </a:r>
-            <a:endParaRPr lang="en-US" sz="2400" dirty="0">
-              <a:solidFill>
-                <a:schemeClr val="tx1"/>
-              </a:solidFill>
-              <a:latin typeface="Calibri"/>
-            </a:endParaRPr>
           </a:p>
         </p:txBody>
       </p:sp>
@@ -7525,7 +7303,7 @@
           <a:p>
             <a:pPr algn="ctr" defTabSz="685783"/>
             <a:r>
-              <a:rPr lang="en-US" sz="2400" dirty="0" smtClean="0">
+              <a:rPr lang="en-US" sz="2400" dirty="0">
                 <a:solidFill>
                   <a:schemeClr val="tx1"/>
                 </a:solidFill>
@@ -7533,12 +7311,6 @@
               </a:rPr>
               <a:t>v6</a:t>
             </a:r>
-            <a:endParaRPr lang="en-US" sz="2400" dirty="0">
-              <a:solidFill>
-                <a:schemeClr val="tx1"/>
-              </a:solidFill>
-              <a:latin typeface="Calibri"/>
-            </a:endParaRPr>
           </a:p>
         </p:txBody>
       </p:sp>
@@ -7586,7 +7358,7 @@
           <a:p>
             <a:pPr algn="ctr" defTabSz="685783"/>
             <a:r>
-              <a:rPr lang="en-US" sz="2400" dirty="0" smtClean="0">
+              <a:rPr lang="en-US" sz="2400" dirty="0">
                 <a:solidFill>
                   <a:schemeClr val="tx1"/>
                 </a:solidFill>
@@ -7594,12 +7366,6 @@
               </a:rPr>
               <a:t>v3</a:t>
             </a:r>
-            <a:endParaRPr lang="en-US" sz="2400" dirty="0">
-              <a:solidFill>
-                <a:schemeClr val="tx1"/>
-              </a:solidFill>
-              <a:latin typeface="Calibri"/>
-            </a:endParaRPr>
           </a:p>
         </p:txBody>
       </p:sp>
@@ -7876,7 +7642,7 @@
           <a:p>
             <a:pPr algn="ctr" defTabSz="685783"/>
             <a:r>
-              <a:rPr lang="en-US" sz="2400" dirty="0" smtClean="0">
+              <a:rPr lang="en-US" sz="2400" dirty="0">
                 <a:solidFill>
                   <a:schemeClr val="tx1"/>
                 </a:solidFill>
@@ -7884,12 +7650,6 @@
               </a:rPr>
               <a:t>v2</a:t>
             </a:r>
-            <a:endParaRPr lang="en-US" sz="2400" dirty="0">
-              <a:solidFill>
-                <a:schemeClr val="tx1"/>
-              </a:solidFill>
-              <a:latin typeface="Calibri"/>
-            </a:endParaRPr>
           </a:p>
         </p:txBody>
       </p:sp>
@@ -7977,7 +7737,7 @@
           <a:p>
             <a:pPr algn="ctr" defTabSz="685783"/>
             <a:r>
-              <a:rPr lang="en-US" sz="2400" dirty="0" smtClean="0">
+              <a:rPr lang="en-US" sz="2400" dirty="0">
                 <a:solidFill>
                   <a:schemeClr val="tx1"/>
                 </a:solidFill>
@@ -7985,12 +7745,6 @@
               </a:rPr>
               <a:t>v0</a:t>
             </a:r>
-            <a:endParaRPr lang="en-US" sz="2400" dirty="0">
-              <a:solidFill>
-                <a:schemeClr val="tx1"/>
-              </a:solidFill>
-              <a:latin typeface="Calibri"/>
-            </a:endParaRPr>
           </a:p>
         </p:txBody>
       </p:sp>
@@ -8038,7 +7792,7 @@
           <a:p>
             <a:pPr algn="ctr" defTabSz="685783"/>
             <a:r>
-              <a:rPr lang="en-US" sz="2400" dirty="0" smtClean="0">
+              <a:rPr lang="en-US" sz="2400" dirty="0">
                 <a:solidFill>
                   <a:schemeClr val="tx1"/>
                 </a:solidFill>
@@ -8046,12 +7800,6 @@
               </a:rPr>
               <a:t>v5</a:t>
             </a:r>
-            <a:endParaRPr lang="en-US" sz="2400" dirty="0">
-              <a:solidFill>
-                <a:schemeClr val="tx1"/>
-              </a:solidFill>
-              <a:latin typeface="Calibri"/>
-            </a:endParaRPr>
           </a:p>
         </p:txBody>
       </p:sp>
@@ -8099,7 +7847,7 @@
           <a:p>
             <a:pPr algn="ctr" defTabSz="685783"/>
             <a:r>
-              <a:rPr lang="en-US" sz="2400" dirty="0" smtClean="0">
+              <a:rPr lang="en-US" sz="2400" dirty="0">
                 <a:solidFill>
                   <a:schemeClr val="tx1"/>
                 </a:solidFill>
@@ -8107,12 +7855,6 @@
               </a:rPr>
               <a:t>v4</a:t>
             </a:r>
-            <a:endParaRPr lang="en-US" sz="2400" dirty="0">
-              <a:solidFill>
-                <a:schemeClr val="tx1"/>
-              </a:solidFill>
-              <a:latin typeface="Calibri"/>
-            </a:endParaRPr>
           </a:p>
         </p:txBody>
       </p:sp>
@@ -8160,7 +7902,7 @@
           <a:p>
             <a:pPr algn="ctr" defTabSz="685783"/>
             <a:r>
-              <a:rPr lang="en-US" sz="2400" dirty="0" smtClean="0">
+              <a:rPr lang="en-US" sz="2400" dirty="0">
                 <a:solidFill>
                   <a:schemeClr val="tx1"/>
                 </a:solidFill>
@@ -8168,12 +7910,6 @@
               </a:rPr>
               <a:t>v1</a:t>
             </a:r>
-            <a:endParaRPr lang="en-US" sz="2400" dirty="0">
-              <a:solidFill>
-                <a:schemeClr val="tx1"/>
-              </a:solidFill>
-              <a:latin typeface="Calibri"/>
-            </a:endParaRPr>
           </a:p>
         </p:txBody>
       </p:sp>
@@ -8221,7 +7957,7 @@
           <a:p>
             <a:pPr algn="ctr" defTabSz="685783"/>
             <a:r>
-              <a:rPr lang="en-US" sz="2400" dirty="0" smtClean="0">
+              <a:rPr lang="en-US" sz="2400" dirty="0">
                 <a:solidFill>
                   <a:schemeClr val="tx1"/>
                 </a:solidFill>
@@ -8229,12 +7965,6 @@
               </a:rPr>
               <a:t>v6</a:t>
             </a:r>
-            <a:endParaRPr lang="en-US" sz="2400" dirty="0">
-              <a:solidFill>
-                <a:schemeClr val="tx1"/>
-              </a:solidFill>
-              <a:latin typeface="Calibri"/>
-            </a:endParaRPr>
           </a:p>
         </p:txBody>
       </p:sp>
@@ -8282,7 +8012,7 @@
           <a:p>
             <a:pPr algn="ctr" defTabSz="685783"/>
             <a:r>
-              <a:rPr lang="en-US" sz="2400" dirty="0" smtClean="0">
+              <a:rPr lang="en-US" sz="2400" dirty="0">
                 <a:solidFill>
                   <a:schemeClr val="tx1"/>
                 </a:solidFill>
@@ -8290,12 +8020,6 @@
               </a:rPr>
               <a:t>v3</a:t>
             </a:r>
-            <a:endParaRPr lang="en-US" sz="2400" dirty="0">
-              <a:solidFill>
-                <a:schemeClr val="tx1"/>
-              </a:solidFill>
-              <a:latin typeface="Calibri"/>
-            </a:endParaRPr>
           </a:p>
         </p:txBody>
       </p:sp>
@@ -8538,11 +8262,6 @@
               </a:rPr>
               <a:t>A</a:t>
             </a:r>
-            <a:endParaRPr lang="en-US" sz="2800" dirty="0">
-              <a:solidFill>
-                <a:schemeClr val="tx1"/>
-              </a:solidFill>
-            </a:endParaRPr>
           </a:p>
         </p:txBody>
       </p:sp>
@@ -8649,11 +8368,6 @@
               </a:rPr>
               <a:t>E</a:t>
             </a:r>
-            <a:endParaRPr lang="en-US" sz="2800" dirty="0">
-              <a:solidFill>
-                <a:schemeClr val="tx1"/>
-              </a:solidFill>
-            </a:endParaRPr>
           </a:p>
         </p:txBody>
       </p:sp>
@@ -8707,11 +8421,6 @@
               </a:rPr>
               <a:t>F</a:t>
             </a:r>
-            <a:endParaRPr lang="en-US" sz="2800" dirty="0">
-              <a:solidFill>
-                <a:schemeClr val="tx1"/>
-              </a:solidFill>
-            </a:endParaRPr>
           </a:p>
         </p:txBody>
       </p:sp>
@@ -8965,11 +8674,6 @@
               </a:rPr>
               <a:t>C</a:t>
             </a:r>
-            <a:endParaRPr lang="en-US" sz="2800" dirty="0">
-              <a:solidFill>
-                <a:schemeClr val="tx1"/>
-              </a:solidFill>
-            </a:endParaRPr>
           </a:p>
         </p:txBody>
       </p:sp>
@@ -9023,11 +8727,6 @@
               </a:rPr>
               <a:t>D</a:t>
             </a:r>
-            <a:endParaRPr lang="en-US" sz="2800" dirty="0">
-              <a:solidFill>
-                <a:schemeClr val="tx1"/>
-              </a:solidFill>
-            </a:endParaRPr>
           </a:p>
         </p:txBody>
       </p:sp>
@@ -9081,11 +8780,6 @@
               </a:rPr>
               <a:t>G</a:t>
             </a:r>
-            <a:endParaRPr lang="en-US" sz="2800" dirty="0">
-              <a:solidFill>
-                <a:schemeClr val="tx1"/>
-              </a:solidFill>
-            </a:endParaRPr>
           </a:p>
         </p:txBody>
       </p:sp>
@@ -9139,11 +8833,6 @@
               </a:rPr>
               <a:t>H</a:t>
             </a:r>
-            <a:endParaRPr lang="en-US" sz="2800" dirty="0">
-              <a:solidFill>
-                <a:schemeClr val="tx1"/>
-              </a:solidFill>
-            </a:endParaRPr>
           </a:p>
         </p:txBody>
       </p:sp>
@@ -9427,11 +9116,6 @@
               </a:rPr>
               <a:t>A</a:t>
             </a:r>
-            <a:endParaRPr lang="en-US" sz="2800" dirty="0">
-              <a:solidFill>
-                <a:schemeClr val="tx1"/>
-              </a:solidFill>
-            </a:endParaRPr>
           </a:p>
         </p:txBody>
       </p:sp>
@@ -9538,11 +9222,6 @@
               </a:rPr>
               <a:t>E</a:t>
             </a:r>
-            <a:endParaRPr lang="en-US" sz="2800" dirty="0">
-              <a:solidFill>
-                <a:schemeClr val="tx1"/>
-              </a:solidFill>
-            </a:endParaRPr>
           </a:p>
         </p:txBody>
       </p:sp>
@@ -9596,11 +9275,6 @@
               </a:rPr>
               <a:t>F</a:t>
             </a:r>
-            <a:endParaRPr lang="en-US" sz="2800" dirty="0">
-              <a:solidFill>
-                <a:schemeClr val="tx1"/>
-              </a:solidFill>
-            </a:endParaRPr>
           </a:p>
         </p:txBody>
       </p:sp>
@@ -9774,11 +9448,6 @@
               </a:rPr>
               <a:t>C</a:t>
             </a:r>
-            <a:endParaRPr lang="en-US" sz="2800" dirty="0">
-              <a:solidFill>
-                <a:schemeClr val="tx1"/>
-              </a:solidFill>
-            </a:endParaRPr>
           </a:p>
         </p:txBody>
       </p:sp>
@@ -9832,11 +9501,6 @@
               </a:rPr>
               <a:t>D</a:t>
             </a:r>
-            <a:endParaRPr lang="en-US" sz="2800" dirty="0">
-              <a:solidFill>
-                <a:schemeClr val="tx1"/>
-              </a:solidFill>
-            </a:endParaRPr>
           </a:p>
         </p:txBody>
       </p:sp>
@@ -9890,11 +9554,6 @@
               </a:rPr>
               <a:t>G</a:t>
             </a:r>
-            <a:endParaRPr lang="en-US" sz="2800" dirty="0">
-              <a:solidFill>
-                <a:schemeClr val="tx1"/>
-              </a:solidFill>
-            </a:endParaRPr>
           </a:p>
         </p:txBody>
       </p:sp>
@@ -9948,11 +9607,6 @@
               </a:rPr>
               <a:t>H</a:t>
             </a:r>
-            <a:endParaRPr lang="en-US" sz="2800" dirty="0">
-              <a:solidFill>
-                <a:schemeClr val="tx1"/>
-              </a:solidFill>
-            </a:endParaRPr>
           </a:p>
         </p:txBody>
       </p:sp>
@@ -10189,18 +9843,13 @@
           <a:p>
             <a:pPr algn="ctr"/>
             <a:r>
-              <a:rPr lang="en-US" sz="2800" dirty="0" smtClean="0">
+              <a:rPr lang="en-US" sz="2800" dirty="0">
                 <a:solidFill>
                   <a:schemeClr val="tx1"/>
                 </a:solidFill>
               </a:rPr>
               <a:t>1</a:t>
             </a:r>
-            <a:endParaRPr lang="en-US" sz="2800" dirty="0">
-              <a:solidFill>
-                <a:schemeClr val="tx1"/>
-              </a:solidFill>
-            </a:endParaRPr>
           </a:p>
         </p:txBody>
       </p:sp>
@@ -10247,18 +9896,13 @@
           <a:p>
             <a:pPr algn="ctr"/>
             <a:r>
-              <a:rPr lang="en-US" sz="2800" dirty="0" smtClean="0">
+              <a:rPr lang="en-US" sz="2800" dirty="0">
                 <a:solidFill>
                   <a:schemeClr val="tx1"/>
                 </a:solidFill>
               </a:rPr>
               <a:t>2</a:t>
             </a:r>
-            <a:endParaRPr lang="en-US" sz="2800" dirty="0">
-              <a:solidFill>
-                <a:schemeClr val="tx1"/>
-              </a:solidFill>
-            </a:endParaRPr>
           </a:p>
         </p:txBody>
       </p:sp>
@@ -10305,18 +9949,13 @@
           <a:p>
             <a:pPr algn="ctr"/>
             <a:r>
-              <a:rPr lang="en-US" sz="2800" dirty="0" smtClean="0">
+              <a:rPr lang="en-US" sz="2800" dirty="0">
                 <a:solidFill>
                   <a:schemeClr val="tx1"/>
                 </a:solidFill>
               </a:rPr>
               <a:t>4</a:t>
             </a:r>
-            <a:endParaRPr lang="en-US" sz="2800" dirty="0">
-              <a:solidFill>
-                <a:schemeClr val="tx1"/>
-              </a:solidFill>
-            </a:endParaRPr>
           </a:p>
         </p:txBody>
       </p:sp>
@@ -10363,18 +10002,13 @@
           <a:p>
             <a:pPr algn="ctr"/>
             <a:r>
-              <a:rPr lang="en-US" sz="2800" dirty="0" smtClean="0">
+              <a:rPr lang="en-US" sz="2800" dirty="0">
                 <a:solidFill>
                   <a:schemeClr val="tx1"/>
                 </a:solidFill>
               </a:rPr>
               <a:t>5</a:t>
             </a:r>
-            <a:endParaRPr lang="en-US" sz="2800" dirty="0">
-              <a:solidFill>
-                <a:schemeClr val="tx1"/>
-              </a:solidFill>
-            </a:endParaRPr>
           </a:p>
         </p:txBody>
       </p:sp>
@@ -10674,7 +10308,7 @@
           <a:p>
             <a:pPr algn="ctr"/>
             <a:r>
-              <a:rPr lang="en-US" sz="2800" smtClean="0">
+              <a:rPr lang="en-US" sz="2800">
                 <a:solidFill>
                   <a:schemeClr val="tx1"/>
                 </a:solidFill>
@@ -10872,10 +10506,9 @@
           <a:lstStyle/>
           <a:p>
             <a:r>
-              <a:rPr lang="en-US" dirty="0" smtClean="0"/>
+              <a:rPr lang="en-US" dirty="0"/>
               <a:t>B4</a:t>
             </a:r>
-            <a:endParaRPr lang="en-US" dirty="0"/>
           </a:p>
         </p:txBody>
       </p:sp>
@@ -10902,10 +10535,9 @@
           <a:lstStyle/>
           <a:p>
             <a:r>
-              <a:rPr lang="en-US" dirty="0" smtClean="0"/>
+              <a:rPr lang="en-US" dirty="0"/>
               <a:t>E15</a:t>
             </a:r>
-            <a:endParaRPr lang="en-US" dirty="0"/>
           </a:p>
         </p:txBody>
       </p:sp>
@@ -10932,10 +10564,9 @@
           <a:lstStyle/>
           <a:p>
             <a:r>
-              <a:rPr lang="en-US" dirty="0" smtClean="0"/>
+              <a:rPr lang="en-US" dirty="0"/>
               <a:t>A6</a:t>
             </a:r>
-            <a:endParaRPr lang="en-US" dirty="0"/>
           </a:p>
         </p:txBody>
       </p:sp>
@@ -10962,10 +10593,9 @@
           <a:lstStyle/>
           <a:p>
             <a:r>
-              <a:rPr lang="en-US" dirty="0" smtClean="0"/>
+              <a:rPr lang="en-US" dirty="0"/>
               <a:t>H1</a:t>
             </a:r>
-            <a:endParaRPr lang="en-US" dirty="0"/>
           </a:p>
         </p:txBody>
       </p:sp>
@@ -10977,8 +10607,8 @@
         </p:nvSpPr>
         <p:spPr>
           <a:xfrm>
-            <a:off x="3550628" y="1819075"/>
-            <a:ext cx="568436" cy="369332"/>
+            <a:off x="3550627" y="1819075"/>
+            <a:ext cx="717799" cy="369332"/>
           </a:xfrm>
           <a:prstGeom prst="rect">
             <a:avLst/>
@@ -10992,10 +10622,9 @@
           <a:lstStyle/>
           <a:p>
             <a:r>
-              <a:rPr lang="en-US" dirty="0" smtClean="0"/>
+              <a:rPr lang="en-US" dirty="0"/>
               <a:t>F11</a:t>
             </a:r>
-            <a:endParaRPr lang="en-US" dirty="0"/>
           </a:p>
         </p:txBody>
       </p:sp>
@@ -11022,10 +10651,9 @@
           <a:lstStyle/>
           <a:p>
             <a:r>
-              <a:rPr lang="en-US" dirty="0" smtClean="0"/>
+              <a:rPr lang="en-US" dirty="0"/>
               <a:t>G12</a:t>
             </a:r>
-            <a:endParaRPr lang="en-US" dirty="0"/>
           </a:p>
         </p:txBody>
       </p:sp>
@@ -11052,10 +10680,9 @@
           <a:lstStyle/>
           <a:p>
             <a:r>
-              <a:rPr lang="en-US" dirty="0" smtClean="0"/>
+              <a:rPr lang="en-US" dirty="0"/>
               <a:t>I2</a:t>
             </a:r>
-            <a:endParaRPr lang="en-US" dirty="0"/>
           </a:p>
         </p:txBody>
       </p:sp>
@@ -11082,10 +10709,9 @@
           <a:lstStyle/>
           <a:p>
             <a:r>
-              <a:rPr lang="en-US" dirty="0" smtClean="0"/>
+              <a:rPr lang="en-US" dirty="0"/>
               <a:t>D13</a:t>
             </a:r>
-            <a:endParaRPr lang="en-US" dirty="0"/>
           </a:p>
         </p:txBody>
       </p:sp>
@@ -11112,10 +10738,9 @@
           <a:lstStyle/>
           <a:p>
             <a:r>
-              <a:rPr lang="en-US" dirty="0" smtClean="0"/>
+              <a:rPr lang="en-US" dirty="0"/>
               <a:t>C14</a:t>
             </a:r>
-            <a:endParaRPr lang="en-US" dirty="0"/>
           </a:p>
         </p:txBody>
       </p:sp>
